--- a/Artefatos/Apresentacoes/Entrega 01 - Definição do Escopo do Trabalho/(Entrega 01) TI6 - Pesquisa Aplicações Desktop.pptx
+++ b/Artefatos/Apresentacoes/Entrega 01 - Definição do Escopo do Trabalho/(Entrega 01) TI6 - Pesquisa Aplicações Desktop.pptx
@@ -8985,19 +8985,11 @@
             </a:pPr>
             <a:r>
               <a:rPr b="1" lang="pt-BR"/>
-              <a:t>com o objetivo de</a:t>
-            </a:r>
-            <a:r>
-              <a:rPr b="1" lang="pt-BR"/>
-              <a:t> </a:t>
+              <a:t>com o objetivo de </a:t>
             </a:r>
             <a:r>
               <a:rPr lang="pt-BR"/>
-              <a:t>analisar</a:t>
-            </a:r>
-            <a:r>
-              <a:rPr lang="pt-BR"/>
-              <a:t> viabilidade de desenvolvimento destas aplicações atualmente</a:t>
+              <a:t>caracterizar aplicações desktop e seus domínios</a:t>
             </a:r>
             <a:endParaRPr/>
           </a:p>
@@ -9017,7 +9009,7 @@
             </a:r>
             <a:r>
               <a:rPr lang="pt-BR"/>
-              <a:t> a quantidade de aplicações e seus segmentos</a:t>
+              <a:t> a quantidade de aplicações e suas respectivas métricas</a:t>
             </a:r>
             <a:endParaRPr/>
           </a:p>
@@ -9519,7 +9511,7 @@
             </a:pPr>
             <a:r>
               <a:rPr lang="pt-BR"/>
-              <a:t>Métrica 2: Percentual da quantidade de repositórios desktop para cada segmento.</a:t>
+              <a:t>Métrica 2: Percentual da quantidade de repositórios desktop para cada domínio.</a:t>
             </a:r>
             <a:endParaRPr/>
           </a:p>
@@ -9880,7 +9872,7 @@
             </a:pPr>
             <a:r>
               <a:rPr lang="pt-BR"/>
-              <a:t>Métrica 1: Média de repositórios com dependências de aplicações desktop criados por ano para cada segmento;</a:t>
+              <a:t>Métrica 1: Média de repositórios com dependências de aplicações desktop criados por ano para cada domínio;</a:t>
             </a:r>
             <a:endParaRPr/>
           </a:p>
